--- a/PDF 모음/Ch04_함수2-집계 함수자료.pptx
+++ b/PDF 모음/Ch04_함수2-집계 함수자료.pptx
@@ -177,7 +177,28 @@
 <file path=ppt/commentAuthors.xml><?xml version="1.0" encoding="utf-8"?>
 <p:cmAuthorLst xmlns:a="http://schemas.openxmlformats.org/drawingml/2006/main" xmlns:r="http://schemas.openxmlformats.org/officeDocument/2006/relationships" xmlns:p="http://schemas.openxmlformats.org/presentationml/2006/main">
   <p:cmAuthor id="1" name="amiga" initials="a" lastIdx="9" clrIdx="0"/>
+  <p:cmAuthor id="2" name="YONSAI" initials="Y" lastIdx="1" clrIdx="1">
+    <p:extLst>
+      <p:ext uri="{19B8F6BF-5375-455C-9EA6-DF929625EA0E}">
+        <p15:presenceInfo xmlns:p15="http://schemas.microsoft.com/office/powerpoint/2012/main" userId="YONSAI" providerId="None"/>
+      </p:ext>
+    </p:extLst>
+  </p:cmAuthor>
 </p:cmAuthorLst>
+</file>
+
+<file path=ppt/comments/comment1.xml><?xml version="1.0" encoding="utf-8"?>
+<p:cmLst xmlns:a="http://schemas.openxmlformats.org/drawingml/2006/main" xmlns:r="http://schemas.openxmlformats.org/officeDocument/2006/relationships" xmlns:p="http://schemas.openxmlformats.org/presentationml/2006/main">
+  <p:cm authorId="2" dt="2024-12-13T10:14:14.668" idx="1">
+    <p:pos x="10" y="10"/>
+    <p:text/>
+    <p:extLst>
+      <p:ext uri="{C676402C-5697-4E1C-873F-D02D1690AC5C}">
+        <p15:threadingInfo xmlns:p15="http://schemas.microsoft.com/office/powerpoint/2012/main" timeZoneBias="-540"/>
+      </p:ext>
+    </p:extLst>
+  </p:cm>
+</p:cmLst>
 </file>
 
 <file path=ppt/handoutMasters/handoutMaster1.xml><?xml version="1.0" encoding="utf-8"?>
@@ -271,7 +292,7 @@
               <a:pPr lvl="0">
                 <a:defRPr/>
               </a:pPr>
-              <a:t>2024-12-12</a:t>
+              <a:t>2024-12-13</a:t>
             </a:fld>
             <a:endParaRPr lang="ko-KR" altLang="en-US"/>
           </a:p>
@@ -454,7 +475,7 @@
               <a:pPr lvl="0">
                 <a:defRPr/>
               </a:pPr>
-              <a:t>2024-12-12</a:t>
+              <a:t>2024-12-13</a:t>
             </a:fld>
             <a:endParaRPr lang="ko-KR" altLang="en-US"/>
           </a:p>
@@ -744,6 +765,502 @@
     </a:lvl9pPr>
   </p:notesStyle>
 </p:notesMaster>
+</file>
+
+<file path=ppt/notesSlides/notesSlide1.xml><?xml version="1.0" encoding="utf-8"?>
+<p:notes xmlns:a="http://schemas.openxmlformats.org/drawingml/2006/main" xmlns:r="http://schemas.openxmlformats.org/officeDocument/2006/relationships" xmlns:p="http://schemas.openxmlformats.org/presentationml/2006/main">
+  <p:cSld>
+    <p:spTree>
+      <p:nvGrpSpPr>
+        <p:cNvPr id="1" name=""/>
+        <p:cNvGrpSpPr/>
+        <p:nvPr/>
+      </p:nvGrpSpPr>
+      <p:grpSpPr>
+        <a:xfrm>
+          <a:off x="0" y="0"/>
+          <a:ext cx="0" cy="0"/>
+          <a:chOff x="0" y="0"/>
+          <a:chExt cx="0" cy="0"/>
+        </a:xfrm>
+      </p:grpSpPr>
+      <p:sp>
+        <p:nvSpPr>
+          <p:cNvPr id="2" name="슬라이드 이미지 개체 틀 1"/>
+          <p:cNvSpPr>
+            <a:spLocks noGrp="1" noRot="1" noChangeAspect="1"/>
+          </p:cNvSpPr>
+          <p:nvPr>
+            <p:ph type="sldImg"/>
+          </p:nvPr>
+        </p:nvSpPr>
+        <p:spPr/>
+      </p:sp>
+      <p:sp>
+        <p:nvSpPr>
+          <p:cNvPr id="3" name="슬라이드 노트 개체 틀 2"/>
+          <p:cNvSpPr>
+            <a:spLocks noGrp="1"/>
+          </p:cNvSpPr>
+          <p:nvPr>
+            <p:ph type="body" idx="1"/>
+          </p:nvPr>
+        </p:nvSpPr>
+        <p:spPr/>
+        <p:txBody>
+          <a:bodyPr/>
+          <a:lstStyle/>
+          <a:p>
+            <a:r>
+              <a:rPr lang="en-US" altLang="ko-KR" dirty="0" smtClean="0"/>
+              <a:t>select count(</a:t>
+            </a:r>
+            <a:r>
+              <a:rPr lang="ko-KR" altLang="en-US" dirty="0" smtClean="0"/>
+              <a:t>도시</a:t>
+            </a:r>
+            <a:r>
+              <a:rPr lang="en-US" altLang="ko-KR" dirty="0" smtClean="0"/>
+              <a:t>), count(distinct </a:t>
+            </a:r>
+            <a:r>
+              <a:rPr lang="ko-KR" altLang="en-US" dirty="0" smtClean="0"/>
+              <a:t>도시</a:t>
+            </a:r>
+            <a:r>
+              <a:rPr lang="en-US" altLang="ko-KR" dirty="0" smtClean="0"/>
+              <a:t>) from </a:t>
+            </a:r>
+            <a:r>
+              <a:rPr lang="ko-KR" altLang="en-US" dirty="0" smtClean="0"/>
+              <a:t>고객</a:t>
+            </a:r>
+            <a:r>
+              <a:rPr lang="en-US" altLang="ko-KR" dirty="0" smtClean="0"/>
+              <a:t>; </a:t>
+            </a:r>
+            <a:r>
+              <a:rPr lang="ko-KR" altLang="en-US" dirty="0" smtClean="0"/>
+              <a:t>이거 </a:t>
+            </a:r>
+            <a:r>
+              <a:rPr lang="en-US" altLang="ko-KR" dirty="0" smtClean="0"/>
+              <a:t>1</a:t>
+            </a:r>
+            <a:r>
+              <a:rPr lang="ko-KR" altLang="en-US" dirty="0" smtClean="0"/>
+              <a:t>번 문제 정답</a:t>
+            </a:r>
+            <a:endParaRPr lang="en-US" altLang="ko-KR" dirty="0" smtClean="0"/>
+          </a:p>
+          <a:p>
+            <a:endParaRPr lang="en-US" altLang="ko-KR" dirty="0" smtClean="0"/>
+          </a:p>
+          <a:p>
+            <a:r>
+              <a:rPr lang="en-US" altLang="ko-KR" dirty="0" smtClean="0"/>
+              <a:t>select year(</a:t>
+            </a:r>
+            <a:r>
+              <a:rPr lang="ko-KR" altLang="en-US" dirty="0" smtClean="0"/>
+              <a:t>주문일</a:t>
+            </a:r>
+            <a:r>
+              <a:rPr lang="en-US" altLang="ko-KR" dirty="0" smtClean="0"/>
+              <a:t>) as </a:t>
+            </a:r>
+            <a:r>
+              <a:rPr lang="ko-KR" altLang="en-US" dirty="0" err="1" smtClean="0"/>
+              <a:t>주문년도</a:t>
+            </a:r>
+            <a:r>
+              <a:rPr lang="en-US" altLang="ko-KR" dirty="0" smtClean="0"/>
+              <a:t>, count(*) as </a:t>
+            </a:r>
+            <a:r>
+              <a:rPr lang="ko-KR" altLang="en-US" dirty="0" err="1" smtClean="0"/>
+              <a:t>주문건수</a:t>
+            </a:r>
+            <a:r>
+              <a:rPr lang="ko-KR" altLang="en-US" dirty="0" smtClean="0"/>
+              <a:t> </a:t>
+            </a:r>
+            <a:r>
+              <a:rPr lang="en-US" altLang="ko-KR" dirty="0" smtClean="0"/>
+              <a:t>from </a:t>
+            </a:r>
+            <a:r>
+              <a:rPr lang="ko-KR" altLang="en-US" dirty="0" smtClean="0"/>
+              <a:t>주문 </a:t>
+            </a:r>
+            <a:r>
+              <a:rPr lang="en-US" altLang="ko-KR" dirty="0" smtClean="0"/>
+              <a:t>group by year(</a:t>
+            </a:r>
+            <a:r>
+              <a:rPr lang="ko-KR" altLang="en-US" dirty="0" smtClean="0"/>
+              <a:t>주문일</a:t>
+            </a:r>
+            <a:r>
+              <a:rPr lang="en-US" altLang="ko-KR" dirty="0" smtClean="0"/>
+              <a:t>); </a:t>
+            </a:r>
+            <a:r>
+              <a:rPr lang="ko-KR" altLang="en-US" dirty="0" smtClean="0"/>
+              <a:t>이거 </a:t>
+            </a:r>
+            <a:r>
+              <a:rPr lang="en-US" altLang="ko-KR" dirty="0" smtClean="0"/>
+              <a:t>2</a:t>
+            </a:r>
+            <a:r>
+              <a:rPr lang="ko-KR" altLang="en-US" dirty="0" smtClean="0"/>
+              <a:t>번 문제 정답</a:t>
+            </a:r>
+            <a:endParaRPr lang="ko-KR" altLang="en-US" dirty="0"/>
+          </a:p>
+        </p:txBody>
+      </p:sp>
+      <p:sp>
+        <p:nvSpPr>
+          <p:cNvPr id="4" name="슬라이드 번호 개체 틀 3"/>
+          <p:cNvSpPr>
+            <a:spLocks noGrp="1"/>
+          </p:cNvSpPr>
+          <p:nvPr>
+            <p:ph type="sldNum" sz="quarter" idx="10"/>
+          </p:nvPr>
+        </p:nvSpPr>
+        <p:spPr/>
+        <p:txBody>
+          <a:bodyPr/>
+          <a:lstStyle/>
+          <a:p>
+            <a:pPr lvl="0">
+              <a:defRPr/>
+            </a:pPr>
+            <a:fld id="{089363BF-43B7-4F43-ABD0-D052F59FCD18}" type="slidenum">
+              <a:rPr lang="ko-KR" altLang="en-US" smtClean="0"/>
+              <a:pPr lvl="0">
+                <a:defRPr/>
+              </a:pPr>
+              <a:t>29</a:t>
+            </a:fld>
+            <a:endParaRPr lang="ko-KR" altLang="en-US"/>
+          </a:p>
+        </p:txBody>
+      </p:sp>
+    </p:spTree>
+    <p:extLst>
+      <p:ext uri="{BB962C8B-B14F-4D97-AF65-F5344CB8AC3E}">
+        <p14:creationId xmlns:p14="http://schemas.microsoft.com/office/powerpoint/2010/main" val="1206196253"/>
+      </p:ext>
+    </p:extLst>
+  </p:cSld>
+  <p:clrMapOvr>
+    <a:masterClrMapping/>
+  </p:clrMapOvr>
+</p:notes>
+</file>
+
+<file path=ppt/notesSlides/notesSlide2.xml><?xml version="1.0" encoding="utf-8"?>
+<p:notes xmlns:a="http://schemas.openxmlformats.org/drawingml/2006/main" xmlns:r="http://schemas.openxmlformats.org/officeDocument/2006/relationships" xmlns:p="http://schemas.openxmlformats.org/presentationml/2006/main">
+  <p:cSld>
+    <p:spTree>
+      <p:nvGrpSpPr>
+        <p:cNvPr id="1" name=""/>
+        <p:cNvGrpSpPr/>
+        <p:nvPr/>
+      </p:nvGrpSpPr>
+      <p:grpSpPr>
+        <a:xfrm>
+          <a:off x="0" y="0"/>
+          <a:ext cx="0" cy="0"/>
+          <a:chOff x="0" y="0"/>
+          <a:chExt cx="0" cy="0"/>
+        </a:xfrm>
+      </p:grpSpPr>
+      <p:sp>
+        <p:nvSpPr>
+          <p:cNvPr id="2" name="슬라이드 이미지 개체 틀 1"/>
+          <p:cNvSpPr>
+            <a:spLocks noGrp="1" noRot="1" noChangeAspect="1"/>
+          </p:cNvSpPr>
+          <p:nvPr>
+            <p:ph type="sldImg"/>
+          </p:nvPr>
+        </p:nvSpPr>
+        <p:spPr/>
+      </p:sp>
+      <p:sp>
+        <p:nvSpPr>
+          <p:cNvPr id="3" name="슬라이드 노트 개체 틀 2"/>
+          <p:cNvSpPr>
+            <a:spLocks noGrp="1"/>
+          </p:cNvSpPr>
+          <p:nvPr>
+            <p:ph type="body" idx="1"/>
+          </p:nvPr>
+        </p:nvSpPr>
+        <p:spPr/>
+        <p:txBody>
+          <a:bodyPr/>
+          <a:lstStyle/>
+          <a:p>
+            <a:r>
+              <a:rPr lang="en-US" altLang="ko-KR" dirty="0" smtClean="0"/>
+              <a:t>select </a:t>
+            </a:r>
+            <a:r>
+              <a:rPr lang="ko-KR" altLang="en-US" dirty="0" smtClean="0"/>
+              <a:t>제품명</a:t>
+            </a:r>
+            <a:r>
+              <a:rPr lang="en-US" altLang="ko-KR" dirty="0" smtClean="0"/>
+              <a:t>, sum(</a:t>
+            </a:r>
+            <a:r>
+              <a:rPr lang="ko-KR" altLang="en-US" dirty="0" smtClean="0"/>
+              <a:t>재고</a:t>
+            </a:r>
+            <a:r>
+              <a:rPr lang="en-US" altLang="ko-KR" dirty="0" smtClean="0"/>
+              <a:t>) as </a:t>
+            </a:r>
+            <a:r>
+              <a:rPr lang="ko-KR" altLang="en-US" dirty="0" err="1" smtClean="0"/>
+              <a:t>재고합</a:t>
+            </a:r>
+            <a:r>
+              <a:rPr lang="ko-KR" altLang="en-US" dirty="0" smtClean="0"/>
+              <a:t> </a:t>
+            </a:r>
+            <a:r>
+              <a:rPr lang="en-US" altLang="ko-KR" dirty="0" smtClean="0"/>
+              <a:t>from </a:t>
+            </a:r>
+            <a:r>
+              <a:rPr lang="ko-KR" altLang="en-US" dirty="0" smtClean="0"/>
+              <a:t>제품 </a:t>
+            </a:r>
+            <a:r>
+              <a:rPr lang="en-US" altLang="ko-KR" dirty="0" smtClean="0"/>
+              <a:t>where </a:t>
+            </a:r>
+            <a:r>
+              <a:rPr lang="ko-KR" altLang="en-US" dirty="0" smtClean="0"/>
+              <a:t>제품명 </a:t>
+            </a:r>
+            <a:r>
+              <a:rPr lang="en-US" altLang="ko-KR" dirty="0" smtClean="0"/>
+              <a:t>like '%</a:t>
+            </a:r>
+            <a:r>
+              <a:rPr lang="ko-KR" altLang="en-US" dirty="0" smtClean="0"/>
+              <a:t>아이스크림</a:t>
+            </a:r>
+            <a:r>
+              <a:rPr lang="en-US" altLang="ko-KR" dirty="0" smtClean="0"/>
+              <a:t>%' group by </a:t>
+            </a:r>
+            <a:r>
+              <a:rPr lang="ko-KR" altLang="en-US" dirty="0" smtClean="0"/>
+              <a:t>제품명</a:t>
+            </a:r>
+            <a:r>
+              <a:rPr lang="en-US" altLang="ko-KR" dirty="0" smtClean="0"/>
+              <a:t>; </a:t>
+            </a:r>
+            <a:r>
+              <a:rPr lang="ko-KR" altLang="en-US" dirty="0" smtClean="0"/>
+              <a:t>이거</a:t>
+            </a:r>
+            <a:r>
+              <a:rPr lang="en-US" altLang="ko-KR" dirty="0" smtClean="0"/>
+              <a:t> </a:t>
+            </a:r>
+            <a:r>
+              <a:rPr lang="ko-KR" altLang="en-US" dirty="0" smtClean="0"/>
+              <a:t>문제 </a:t>
+            </a:r>
+            <a:r>
+              <a:rPr lang="en-US" altLang="ko-KR" dirty="0" smtClean="0"/>
+              <a:t>5</a:t>
+            </a:r>
+            <a:r>
+              <a:rPr lang="ko-KR" altLang="en-US" dirty="0" smtClean="0"/>
+              <a:t>번 정답</a:t>
+            </a:r>
+            <a:endParaRPr lang="en-US" altLang="ko-KR" dirty="0" smtClean="0"/>
+          </a:p>
+          <a:p>
+            <a:endParaRPr lang="en-US" altLang="ko-KR" dirty="0" smtClean="0"/>
+          </a:p>
+          <a:p>
+            <a:r>
+              <a:rPr lang="en-US" altLang="ko-KR" dirty="0" smtClean="0"/>
+              <a:t>select if(</a:t>
+            </a:r>
+            <a:r>
+              <a:rPr lang="ko-KR" altLang="en-US" dirty="0" smtClean="0"/>
+              <a:t>마일리지 </a:t>
+            </a:r>
+            <a:r>
+              <a:rPr lang="en-US" altLang="ko-KR" dirty="0" smtClean="0"/>
+              <a:t>&gt; 50000,'vip</a:t>
+            </a:r>
+            <a:r>
+              <a:rPr lang="ko-KR" altLang="en-US" dirty="0" smtClean="0"/>
+              <a:t>고객</a:t>
+            </a:r>
+            <a:r>
+              <a:rPr lang="en-US" altLang="ko-KR" dirty="0" smtClean="0"/>
+              <a:t>','</a:t>
+            </a:r>
+            <a:r>
+              <a:rPr lang="ko-KR" altLang="en-US" dirty="0" err="1" smtClean="0"/>
+              <a:t>일반고객</a:t>
+            </a:r>
+            <a:r>
+              <a:rPr lang="en-US" altLang="ko-KR" dirty="0" smtClean="0"/>
+              <a:t>') as </a:t>
+            </a:r>
+            <a:r>
+              <a:rPr lang="ko-KR" altLang="en-US" dirty="0" err="1" smtClean="0"/>
+              <a:t>고객구분</a:t>
+            </a:r>
+            <a:r>
+              <a:rPr lang="en-US" altLang="ko-KR" dirty="0" smtClean="0"/>
+              <a:t>, count(*) as </a:t>
+            </a:r>
+            <a:r>
+              <a:rPr lang="ko-KR" altLang="en-US" dirty="0" err="1" smtClean="0"/>
+              <a:t>고객수</a:t>
+            </a:r>
+            <a:r>
+              <a:rPr lang="en-US" altLang="ko-KR" dirty="0" smtClean="0"/>
+              <a:t>, </a:t>
+            </a:r>
+            <a:r>
+              <a:rPr lang="en-US" altLang="ko-KR" dirty="0" err="1" smtClean="0"/>
+              <a:t>avg</a:t>
+            </a:r>
+            <a:r>
+              <a:rPr lang="en-US" altLang="ko-KR" dirty="0" smtClean="0"/>
+              <a:t>(</a:t>
+            </a:r>
+            <a:r>
+              <a:rPr lang="ko-KR" altLang="en-US" dirty="0" smtClean="0"/>
+              <a:t>마일리지</a:t>
+            </a:r>
+            <a:r>
+              <a:rPr lang="en-US" altLang="ko-KR" dirty="0" smtClean="0"/>
+              <a:t>) as </a:t>
+            </a:r>
+            <a:r>
+              <a:rPr lang="ko-KR" altLang="en-US" dirty="0" smtClean="0"/>
+              <a:t>평균마일리지 </a:t>
+            </a:r>
+            <a:r>
+              <a:rPr lang="en-US" altLang="ko-KR" dirty="0" smtClean="0"/>
+              <a:t>from </a:t>
+            </a:r>
+            <a:r>
+              <a:rPr lang="ko-KR" altLang="en-US" dirty="0" smtClean="0"/>
+              <a:t>고객 </a:t>
+            </a:r>
+            <a:r>
+              <a:rPr lang="en-US" altLang="ko-KR" dirty="0" smtClean="0"/>
+              <a:t>group by if(</a:t>
+            </a:r>
+            <a:r>
+              <a:rPr lang="ko-KR" altLang="en-US" dirty="0" smtClean="0"/>
+              <a:t>마일리지</a:t>
+            </a:r>
+            <a:r>
+              <a:rPr lang="en-US" altLang="ko-KR" dirty="0" smtClean="0"/>
+              <a:t>&gt;50000, '</a:t>
+            </a:r>
+            <a:r>
+              <a:rPr lang="en-US" altLang="ko-KR" dirty="0" err="1" smtClean="0"/>
+              <a:t>vip</a:t>
+            </a:r>
+            <a:r>
+              <a:rPr lang="ko-KR" altLang="en-US" dirty="0" smtClean="0"/>
+              <a:t>고객</a:t>
+            </a:r>
+            <a:r>
+              <a:rPr lang="en-US" altLang="ko-KR" dirty="0" smtClean="0"/>
+              <a:t>' , '</a:t>
+            </a:r>
+            <a:r>
+              <a:rPr lang="ko-KR" altLang="en-US" dirty="0" err="1" smtClean="0"/>
+              <a:t>일반고객</a:t>
+            </a:r>
+            <a:r>
+              <a:rPr lang="en-US" altLang="ko-KR" dirty="0" smtClean="0"/>
+              <a:t>');</a:t>
+            </a:r>
+            <a:r>
+              <a:rPr lang="en-US" altLang="ko-KR" baseline="0" dirty="0" smtClean="0"/>
+              <a:t> </a:t>
+            </a:r>
+            <a:r>
+              <a:rPr lang="ko-KR" altLang="en-US" baseline="0" dirty="0" smtClean="0"/>
+              <a:t>이거 문제 </a:t>
+            </a:r>
+            <a:r>
+              <a:rPr lang="en-US" altLang="ko-KR" baseline="0" dirty="0" smtClean="0"/>
+              <a:t>6</a:t>
+            </a:r>
+            <a:r>
+              <a:rPr lang="ko-KR" altLang="en-US" baseline="0" smtClean="0"/>
+              <a:t>번 정답</a:t>
+            </a:r>
+            <a:endParaRPr lang="ko-KR" altLang="en-US" dirty="0"/>
+          </a:p>
+        </p:txBody>
+      </p:sp>
+      <p:sp>
+        <p:nvSpPr>
+          <p:cNvPr id="4" name="슬라이드 번호 개체 틀 3"/>
+          <p:cNvSpPr>
+            <a:spLocks noGrp="1"/>
+          </p:cNvSpPr>
+          <p:nvPr>
+            <p:ph type="sldNum" sz="quarter" idx="10"/>
+          </p:nvPr>
+        </p:nvSpPr>
+        <p:spPr/>
+        <p:txBody>
+          <a:bodyPr/>
+          <a:lstStyle/>
+          <a:p>
+            <a:pPr lvl="0">
+              <a:defRPr/>
+            </a:pPr>
+            <a:fld id="{089363BF-43B7-4F43-ABD0-D052F59FCD18}" type="slidenum">
+              <a:rPr lang="ko-KR" altLang="en-US" smtClean="0"/>
+              <a:pPr lvl="0">
+                <a:defRPr/>
+              </a:pPr>
+              <a:t>32</a:t>
+            </a:fld>
+            <a:endParaRPr lang="ko-KR" altLang="en-US"/>
+          </a:p>
+        </p:txBody>
+      </p:sp>
+    </p:spTree>
+    <p:extLst>
+      <p:ext uri="{BB962C8B-B14F-4D97-AF65-F5344CB8AC3E}">
+        <p14:creationId xmlns:p14="http://schemas.microsoft.com/office/powerpoint/2010/main" val="329268721"/>
+      </p:ext>
+    </p:extLst>
+  </p:cSld>
+  <p:clrMapOvr>
+    <a:masterClrMapping/>
+  </p:clrMapOvr>
+</p:notes>
 </file>
 
 <file path=ppt/slideLayouts/slideLayout1.xml><?xml version="1.0" encoding="utf-8"?>
@@ -2033,7 +2550,7 @@
               <a:pPr lvl="0">
                 <a:defRPr/>
               </a:pPr>
-              <a:t>2024-12-12</a:t>
+              <a:t>2024-12-13</a:t>
             </a:fld>
             <a:endParaRPr lang="ko-KR" altLang="en-US"/>
           </a:p>
@@ -2427,7 +2944,7 @@
               <a:pPr lvl="0">
                 <a:defRPr/>
               </a:pPr>
-              <a:t>2024-12-12</a:t>
+              <a:t>2024-12-13</a:t>
             </a:fld>
             <a:endParaRPr lang="ko-KR" altLang="en-US"/>
           </a:p>
@@ -4995,7 +5512,7 @@
               <a:pPr lvl="0">
                 <a:defRPr/>
               </a:pPr>
-              <a:t>2024-12-12</a:t>
+              <a:t>2024-12-13</a:t>
             </a:fld>
             <a:endParaRPr lang="ko-KR" altLang="en-US"/>
           </a:p>
@@ -7793,7 +8310,7 @@
     <mc:Choice Requires="p14">
       <p:transition/>
     </mc:Choice>
-    <mc:Fallback xmlns="" xmlns:c="http://schemas.openxmlformats.org/drawingml/2006/chart" xmlns:dgm="http://schemas.openxmlformats.org/drawingml/2006/diagram" xmlns:dsp="http://schemas.microsoft.com/office/drawing/2008/diagram">
+    <mc:Fallback xmlns:dsp="http://schemas.microsoft.com/office/drawing/2008/diagram" xmlns:dgm="http://schemas.openxmlformats.org/drawingml/2006/diagram" xmlns:c="http://schemas.openxmlformats.org/drawingml/2006/chart" xmlns="">
       <p:transition/>
     </mc:Fallback>
   </mc:AlternateContent>
@@ -10029,7 +10546,7 @@
             <p:nvPr/>
           </p:nvPicPr>
           <p:blipFill>
-            <a:blip r:embed="rId2"/>
+            <a:blip r:embed="rId3"/>
             <a:stretch>
               <a:fillRect/>
             </a:stretch>
@@ -10059,7 +10576,7 @@
             <p:nvPr/>
           </p:nvPicPr>
           <p:blipFill>
-            <a:blip r:embed="rId3"/>
+            <a:blip r:embed="rId4"/>
             <a:stretch>
               <a:fillRect/>
             </a:stretch>
@@ -10164,7 +10681,7 @@
     <mc:Choice Requires="p14">
       <p:transition/>
     </mc:Choice>
-    <mc:Fallback xmlns="" xmlns:c="http://schemas.openxmlformats.org/drawingml/2006/chart" xmlns:dgm="http://schemas.openxmlformats.org/drawingml/2006/diagram" xmlns:dsp="http://schemas.microsoft.com/office/drawing/2008/diagram">
+    <mc:Fallback xmlns:dsp="http://schemas.microsoft.com/office/drawing/2008/diagram" xmlns:dgm="http://schemas.openxmlformats.org/drawingml/2006/diagram" xmlns:c="http://schemas.openxmlformats.org/drawingml/2006/chart" xmlns="">
       <p:transition/>
     </mc:Fallback>
   </mc:AlternateContent>
@@ -10444,7 +10961,7 @@
             <p:nvPr/>
           </p:nvPicPr>
           <p:blipFill>
-            <a:blip r:embed="rId2"/>
+            <a:blip r:embed="rId3"/>
             <a:stretch>
               <a:fillRect/>
             </a:stretch>
@@ -10474,7 +10991,7 @@
             <p:nvPr/>
           </p:nvPicPr>
           <p:blipFill>
-            <a:blip r:embed="rId3"/>
+            <a:blip r:embed="rId4"/>
             <a:stretch>
               <a:fillRect/>
             </a:stretch>
@@ -10642,7 +11159,7 @@
     <mc:Choice Requires="p14">
       <p:transition/>
     </mc:Choice>
-    <mc:Fallback xmlns="" xmlns:c="http://schemas.openxmlformats.org/drawingml/2006/chart" xmlns:dgm="http://schemas.openxmlformats.org/drawingml/2006/diagram" xmlns:dsp="http://schemas.microsoft.com/office/drawing/2008/diagram">
+    <mc:Fallback xmlns:dsp="http://schemas.microsoft.com/office/drawing/2008/diagram" xmlns:dgm="http://schemas.openxmlformats.org/drawingml/2006/diagram" xmlns:c="http://schemas.openxmlformats.org/drawingml/2006/chart" xmlns="">
       <p:transition/>
     </mc:Fallback>
   </mc:AlternateContent>
